--- a/somani4_MP1.pptx
+++ b/somani4_MP1.pptx
@@ -15,7 +15,8 @@
     <p:sldId id="264" r:id="rId9"/>
     <p:sldId id="265" r:id="rId10"/>
     <p:sldId id="268" r:id="rId11"/>
-    <p:sldId id="267" r:id="rId12"/>
+    <p:sldId id="272" r:id="rId12"/>
+    <p:sldId id="267" r:id="rId13"/>
   </p:sldIdLst>
   <p:sldSz cx="12192000" cy="6858000"/>
   <p:notesSz cx="6858000" cy="9144000"/>
@@ -125,8 +126,8 @@
 <file path=ppt/revisionInfo.xml><?xml version="1.0" encoding="utf-8"?>
 <p1510:revInfo xmlns:a="http://schemas.openxmlformats.org/drawingml/2006/main" xmlns:r="http://schemas.openxmlformats.org/officeDocument/2006/relationships" xmlns:p1510="http://schemas.microsoft.com/office/powerpoint/2015/10/main">
   <p1510:revLst>
+    <p1510:client id="{439EBECA-9065-49B9-9CD5-6917D7CD511D}" v="81" dt="2020-02-14T00:17:24.968"/>
     <p1510:client id="{7B0F4110-8C0A-44DE-BA03-AD1505DD8AEA}" v="38" dt="2020-02-14T00:19:09.516"/>
-    <p1510:client id="{439EBECA-9065-49B9-9CD5-6917D7CD511D}" v="81" dt="2020-02-14T00:17:24.968"/>
     <p1510:client id="{956BB4E9-F319-418E-9998-7F0942442DC6}" v="324" dt="2020-02-13T17:24:46.527"/>
   </p1510:revLst>
 </p1510:revInfo>
@@ -379,7 +380,7 @@
           <a:p>
             <a:fld id="{3E188059-9AAA-48DC-89EE-5FBEEAFD7015}" type="datetimeFigureOut">
               <a:rPr lang="en-US" smtClean="0"/>
-              <a:t>2/19/2020</a:t>
+              <a:t>2/20/2020</a:t>
             </a:fld>
             <a:endParaRPr lang="en-US"/>
           </a:p>
@@ -577,7 +578,7 @@
           <a:p>
             <a:fld id="{3E188059-9AAA-48DC-89EE-5FBEEAFD7015}" type="datetimeFigureOut">
               <a:rPr lang="en-US" smtClean="0"/>
-              <a:t>2/19/2020</a:t>
+              <a:t>2/20/2020</a:t>
             </a:fld>
             <a:endParaRPr lang="en-US"/>
           </a:p>
@@ -785,7 +786,7 @@
           <a:p>
             <a:fld id="{3E188059-9AAA-48DC-89EE-5FBEEAFD7015}" type="datetimeFigureOut">
               <a:rPr lang="en-US" smtClean="0"/>
-              <a:t>2/19/2020</a:t>
+              <a:t>2/20/2020</a:t>
             </a:fld>
             <a:endParaRPr lang="en-US"/>
           </a:p>
@@ -983,7 +984,7 @@
           <a:p>
             <a:fld id="{3E188059-9AAA-48DC-89EE-5FBEEAFD7015}" type="datetimeFigureOut">
               <a:rPr lang="en-US" smtClean="0"/>
-              <a:t>2/19/2020</a:t>
+              <a:t>2/20/2020</a:t>
             </a:fld>
             <a:endParaRPr lang="en-US"/>
           </a:p>
@@ -1258,7 +1259,7 @@
           <a:p>
             <a:fld id="{3E188059-9AAA-48DC-89EE-5FBEEAFD7015}" type="datetimeFigureOut">
               <a:rPr lang="en-US" smtClean="0"/>
-              <a:t>2/19/2020</a:t>
+              <a:t>2/20/2020</a:t>
             </a:fld>
             <a:endParaRPr lang="en-US"/>
           </a:p>
@@ -1523,7 +1524,7 @@
           <a:p>
             <a:fld id="{3E188059-9AAA-48DC-89EE-5FBEEAFD7015}" type="datetimeFigureOut">
               <a:rPr lang="en-US" smtClean="0"/>
-              <a:t>2/19/2020</a:t>
+              <a:t>2/20/2020</a:t>
             </a:fld>
             <a:endParaRPr lang="en-US"/>
           </a:p>
@@ -1935,7 +1936,7 @@
           <a:p>
             <a:fld id="{3E188059-9AAA-48DC-89EE-5FBEEAFD7015}" type="datetimeFigureOut">
               <a:rPr lang="en-US" smtClean="0"/>
-              <a:t>2/19/2020</a:t>
+              <a:t>2/20/2020</a:t>
             </a:fld>
             <a:endParaRPr lang="en-US"/>
           </a:p>
@@ -2076,7 +2077,7 @@
           <a:p>
             <a:fld id="{3E188059-9AAA-48DC-89EE-5FBEEAFD7015}" type="datetimeFigureOut">
               <a:rPr lang="en-US" smtClean="0"/>
-              <a:t>2/19/2020</a:t>
+              <a:t>2/20/2020</a:t>
             </a:fld>
             <a:endParaRPr lang="en-US"/>
           </a:p>
@@ -2189,7 +2190,7 @@
           <a:p>
             <a:fld id="{3E188059-9AAA-48DC-89EE-5FBEEAFD7015}" type="datetimeFigureOut">
               <a:rPr lang="en-US" smtClean="0"/>
-              <a:t>2/19/2020</a:t>
+              <a:t>2/20/2020</a:t>
             </a:fld>
             <a:endParaRPr lang="en-US"/>
           </a:p>
@@ -2500,7 +2501,7 @@
           <a:p>
             <a:fld id="{3E188059-9AAA-48DC-89EE-5FBEEAFD7015}" type="datetimeFigureOut">
               <a:rPr lang="en-US" smtClean="0"/>
-              <a:t>2/19/2020</a:t>
+              <a:t>2/20/2020</a:t>
             </a:fld>
             <a:endParaRPr lang="en-US"/>
           </a:p>
@@ -2788,7 +2789,7 @@
           <a:p>
             <a:fld id="{3E188059-9AAA-48DC-89EE-5FBEEAFD7015}" type="datetimeFigureOut">
               <a:rPr lang="en-US" smtClean="0"/>
-              <a:t>2/19/2020</a:t>
+              <a:t>2/20/2020</a:t>
             </a:fld>
             <a:endParaRPr lang="en-US"/>
           </a:p>
@@ -3029,7 +3030,7 @@
           <a:p>
             <a:fld id="{3E188059-9AAA-48DC-89EE-5FBEEAFD7015}" type="datetimeFigureOut">
               <a:rPr lang="en-US" smtClean="0"/>
-              <a:t>2/19/2020</a:t>
+              <a:t>2/20/2020</a:t>
             </a:fld>
             <a:endParaRPr lang="en-US"/>
           </a:p>
@@ -3511,7 +3512,21 @@
           <a:p>
             <a:r>
               <a:rPr lang="en-US" dirty="0"/>
-              <a:t>Name1 (NetID1), Name2 (NetID2), Name3 (NetID3)</a:t>
+              <a:t>Akhilesh Somani (somani4),</a:t>
+            </a:r>
+            <a:br>
+              <a:rPr lang="en-US" dirty="0"/>
+            </a:br>
+            <a:r>
+              <a:rPr lang="en-US" dirty="0"/>
+              <a:t>Gowtham Kuntumalla (gowtham4),</a:t>
+            </a:r>
+            <a:br>
+              <a:rPr lang="en-US" dirty="0"/>
+            </a:br>
+            <a:r>
+              <a:rPr lang="en-US" dirty="0"/>
+              <a:t>Manan Mehta (mananm2)</a:t>
             </a:r>
           </a:p>
         </p:txBody>
@@ -3562,7 +3577,12 @@
             <p:ph type="title"/>
           </p:nvPr>
         </p:nvSpPr>
-        <p:spPr/>
+        <p:spPr>
+          <a:xfrm>
+            <a:off x="438150" y="46036"/>
+            <a:ext cx="10515600" cy="858839"/>
+          </a:xfrm>
+        </p:spPr>
         <p:txBody>
           <a:bodyPr/>
           <a:lstStyle/>
@@ -3593,10 +3613,15 @@
             <p:ph idx="1"/>
           </p:nvPr>
         </p:nvSpPr>
-        <p:spPr/>
+        <p:spPr>
+          <a:xfrm>
+            <a:off x="342900" y="809624"/>
+            <a:ext cx="11677650" cy="5819776"/>
+          </a:xfrm>
+        </p:spPr>
         <p:txBody>
           <a:bodyPr vert="horz" lIns="91440" tIns="45720" rIns="91440" bIns="45720" rtlCol="0" anchor="t">
-            <a:normAutofit/>
+            <a:noAutofit/>
           </a:bodyPr>
           <a:lstStyle/>
           <a:p>
@@ -3608,6 +3633,76 @@
             </a:r>
           </a:p>
           <a:p>
+            <a:pPr marL="342900" indent="-342900">
+              <a:buAutoNum type="arabicParenBoth"/>
+            </a:pPr>
+            <a:r>
+              <a:rPr lang="en-US" sz="1800" b="1" dirty="0">
+                <a:solidFill>
+                  <a:schemeClr val="accent1">
+                    <a:lumMod val="75000"/>
+                  </a:schemeClr>
+                </a:solidFill>
+                <a:cs typeface="Calibri"/>
+              </a:rPr>
+              <a:t>The AVs seem to perform way better on the highways than the urban streets. The CPT shows that the disengagement probabilities for {urban-street, highway} </a:t>
+            </a:r>
+            <a:r>
+              <a:rPr lang="en-US" sz="1800" b="1" baseline="-15000" dirty="0">
+                <a:solidFill>
+                  <a:schemeClr val="accent1">
+                    <a:lumMod val="75000"/>
+                  </a:schemeClr>
+                </a:solidFill>
+                <a:cs typeface="Calibri"/>
+              </a:rPr>
+              <a:t>~</a:t>
+            </a:r>
+            <a:r>
+              <a:rPr lang="en-US" sz="1800" b="1" dirty="0">
+                <a:solidFill>
+                  <a:schemeClr val="accent1">
+                    <a:lumMod val="75000"/>
+                  </a:schemeClr>
+                </a:solidFill>
+                <a:cs typeface="Calibri"/>
+              </a:rPr>
+              <a:t> {1,0}, which means almost all the disengagements occurred in urban areas. So, location does not really affect the disengagement – chances are almost all the disengagements will occur in the urban areas.</a:t>
+            </a:r>
+          </a:p>
+          <a:p>
+            <a:pPr marL="342900" indent="-342900">
+              <a:buAutoNum type="arabicParenBoth"/>
+            </a:pPr>
+            <a:r>
+              <a:rPr lang="en-US" sz="1800" b="1" dirty="0">
+                <a:solidFill>
+                  <a:schemeClr val="accent1">
+                    <a:lumMod val="75000"/>
+                  </a:schemeClr>
+                </a:solidFill>
+                <a:cs typeface="Calibri"/>
+              </a:rPr>
+              <a:t>When we perform Naïve Bayes classification after discarding ‘location’ as the feature, we still get the same accuracy. </a:t>
+            </a:r>
+          </a:p>
+          <a:p>
+            <a:pPr marL="342900" indent="-342900">
+              <a:buAutoNum type="arabicParenBoth"/>
+            </a:pPr>
+            <a:r>
+              <a:rPr lang="en-US" sz="1800" b="1" dirty="0">
+                <a:solidFill>
+                  <a:schemeClr val="accent1">
+                    <a:lumMod val="75000"/>
+                  </a:schemeClr>
+                </a:solidFill>
+                <a:cs typeface="Calibri"/>
+              </a:rPr>
+              <a:t>The type of trigger for ‘highway’ was almost always manual, meaning the AV never felt the need to disengage on highways.</a:t>
+            </a:r>
+          </a:p>
+          <a:p>
             <a:r>
               <a:rPr lang="en-US" sz="1800" dirty="0">
                 <a:cs typeface="Calibri"/>
@@ -3616,6 +3711,22 @@
             </a:r>
           </a:p>
           <a:p>
+            <a:pPr marL="0" indent="0">
+              <a:buNone/>
+            </a:pPr>
+            <a:r>
+              <a:rPr lang="en-US" sz="1800" b="1" dirty="0">
+                <a:solidFill>
+                  <a:schemeClr val="accent1">
+                    <a:lumMod val="75000"/>
+                  </a:schemeClr>
+                </a:solidFill>
+                <a:cs typeface="Calibri"/>
+              </a:rPr>
+              <a:t>No, we would not ride in an AV at this stage. The AVs need more work as the probability of getting in an accident is roughly 213 times higher than that caused by human drivers.</a:t>
+            </a:r>
+          </a:p>
+          <a:p>
             <a:r>
               <a:rPr lang="en-US" sz="1800" dirty="0">
                 <a:cs typeface="Calibri"/>
@@ -3624,11 +3735,35 @@
             </a:r>
           </a:p>
           <a:p>
-            <a:r>
-              <a:rPr lang="en-US" sz="1800" dirty="0">
+            <a:pPr marL="0" indent="0">
+              <a:buNone/>
+            </a:pPr>
+            <a:r>
+              <a:rPr lang="en-US" sz="1800" b="1" dirty="0">
+                <a:solidFill>
+                  <a:schemeClr val="accent1">
+                    <a:lumMod val="75000"/>
+                  </a:schemeClr>
+                </a:solidFill>
                 <a:cs typeface="Calibri"/>
               </a:rPr>
-              <a:t>What would you change about the MP? What other analysis would you have done?</a:t>
+              <a:t>We think that there may come a time (typically 5 years) when the AVs will be fully functional, needing no backup driver behind the wheel and open to the public. Plotting the number of disengagements with time suggest that AVs are maturing over time. It would definitely require a lot of work to accomplish this but it is quite feasible.</a:t>
+            </a:r>
+          </a:p>
+          <a:p>
+            <a:pPr marL="0" indent="0">
+              <a:buNone/>
+            </a:pPr>
+            <a:r>
+              <a:rPr lang="en-US" sz="1800" b="1" dirty="0">
+                <a:solidFill>
+                  <a:schemeClr val="accent1">
+                    <a:lumMod val="75000"/>
+                  </a:schemeClr>
+                </a:solidFill>
+                <a:cs typeface="Calibri"/>
+              </a:rPr>
+              <a:t>However, we feel like they would still be limited to less crowded cities and countries like the US (where there are proper road markings, signals and signboards on all the roads). Very big cities like LA, NYC or countries like India might be a challenge for AVs.</a:t>
             </a:r>
           </a:p>
         </p:txBody>
@@ -3665,6 +3800,185 @@
       </p:grpSpPr>
       <p:sp>
         <p:nvSpPr>
+          <p:cNvPr id="2" name="Title 1">
+            <a:extLst>
+              <a:ext uri="{FF2B5EF4-FFF2-40B4-BE49-F238E27FC236}">
+                <a16:creationId xmlns:a16="http://schemas.microsoft.com/office/drawing/2014/main" id="{7B83CDE5-42C9-4D0B-8699-54AE0E92E7DF}"/>
+              </a:ext>
+            </a:extLst>
+          </p:cNvPr>
+          <p:cNvSpPr>
+            <a:spLocks noGrp="1"/>
+          </p:cNvSpPr>
+          <p:nvPr>
+            <p:ph type="title"/>
+          </p:nvPr>
+        </p:nvSpPr>
+        <p:spPr>
+          <a:xfrm>
+            <a:off x="438150" y="46036"/>
+            <a:ext cx="10515600" cy="858839"/>
+          </a:xfrm>
+        </p:spPr>
+        <p:txBody>
+          <a:bodyPr/>
+          <a:lstStyle/>
+          <a:p>
+            <a:r>
+              <a:rPr lang="en-US" dirty="0">
+                <a:cs typeface="Calibri Light"/>
+              </a:rPr>
+              <a:t>Insights on AV safety</a:t>
+            </a:r>
+            <a:endParaRPr lang="en-US" dirty="0"/>
+          </a:p>
+        </p:txBody>
+      </p:sp>
+      <p:sp>
+        <p:nvSpPr>
+          <p:cNvPr id="6" name="Rectangle 5">
+            <a:extLst>
+              <a:ext uri="{FF2B5EF4-FFF2-40B4-BE49-F238E27FC236}">
+                <a16:creationId xmlns:a16="http://schemas.microsoft.com/office/drawing/2014/main" id="{4255A657-052B-4056-9E13-AF0B184DEB63}"/>
+              </a:ext>
+            </a:extLst>
+          </p:cNvPr>
+          <p:cNvSpPr/>
+          <p:nvPr/>
+        </p:nvSpPr>
+        <p:spPr>
+          <a:xfrm>
+            <a:off x="438150" y="904875"/>
+            <a:ext cx="11391900" cy="3693319"/>
+          </a:xfrm>
+          <a:prstGeom prst="rect">
+            <a:avLst/>
+          </a:prstGeom>
+        </p:spPr>
+        <p:txBody>
+          <a:bodyPr wrap="square">
+            <a:spAutoFit/>
+          </a:bodyPr>
+          <a:lstStyle/>
+          <a:p>
+            <a:r>
+              <a:rPr lang="en-US" dirty="0">
+                <a:cs typeface="Calibri"/>
+              </a:rPr>
+              <a:t>What would you change about the MP? What other analysis would you have done? Maybe if there was additional data</a:t>
+            </a:r>
+          </a:p>
+          <a:p>
+            <a:endParaRPr lang="en-US" dirty="0">
+              <a:cs typeface="Calibri"/>
+            </a:endParaRPr>
+          </a:p>
+          <a:p>
+            <a:r>
+              <a:rPr lang="en-US" b="1" dirty="0">
+                <a:solidFill>
+                  <a:schemeClr val="accent1">
+                    <a:lumMod val="75000"/>
+                  </a:schemeClr>
+                </a:solidFill>
+                <a:cs typeface="Calibri"/>
+              </a:rPr>
+              <a:t>An interesting parameter to compare would have been the “time taken by a human to make a decision v/s the reaction time of the AV” (but NOT like in the event of an automatic disengagement). </a:t>
+            </a:r>
+          </a:p>
+          <a:p>
+            <a:endParaRPr lang="en-US" b="1" dirty="0">
+              <a:solidFill>
+                <a:schemeClr val="accent1">
+                  <a:lumMod val="75000"/>
+                </a:schemeClr>
+              </a:solidFill>
+              <a:cs typeface="Calibri"/>
+            </a:endParaRPr>
+          </a:p>
+          <a:p>
+            <a:r>
+              <a:rPr lang="en-US" b="1" dirty="0">
+                <a:solidFill>
+                  <a:schemeClr val="accent1">
+                    <a:lumMod val="75000"/>
+                  </a:schemeClr>
+                </a:solidFill>
+                <a:cs typeface="Calibri"/>
+              </a:rPr>
+              <a:t>For example, when a traffic signal turns green, how much time does the AV wait for before actually beginning to move? Or how much time does it take compared to a human driver to make a left turn where there is no traffic signal?</a:t>
+            </a:r>
+          </a:p>
+          <a:p>
+            <a:r>
+              <a:rPr lang="en-US" b="1" dirty="0">
+                <a:solidFill>
+                  <a:schemeClr val="accent1">
+                    <a:lumMod val="75000"/>
+                  </a:schemeClr>
+                </a:solidFill>
+                <a:cs typeface="Calibri"/>
+              </a:rPr>
+              <a:t>Or how much time does it spend at an all-way STOP compared to a human driver?</a:t>
+            </a:r>
+          </a:p>
+          <a:p>
+            <a:endParaRPr lang="en-US" b="1" dirty="0">
+              <a:solidFill>
+                <a:schemeClr val="accent1">
+                  <a:lumMod val="75000"/>
+                </a:schemeClr>
+              </a:solidFill>
+              <a:cs typeface="Calibri"/>
+            </a:endParaRPr>
+          </a:p>
+          <a:p>
+            <a:r>
+              <a:rPr lang="en-US" b="1" dirty="0">
+                <a:solidFill>
+                  <a:schemeClr val="accent1">
+                    <a:lumMod val="75000"/>
+                  </a:schemeClr>
+                </a:solidFill>
+                <a:cs typeface="Calibri"/>
+              </a:rPr>
+              <a:t>This way, the reaction time of the AV could be analyzed. If the reaction times are too high compared to humans, maybe the AVs are extra careful but would have still been fine if they were little quick in taking the action. Or if the reaction times were way too low (and there was no accident), we could understand and explore these situations where an AV is more reliable and efficient over a human driver.</a:t>
+            </a:r>
+          </a:p>
+        </p:txBody>
+      </p:sp>
+    </p:spTree>
+    <p:extLst>
+      <p:ext uri="{BB962C8B-B14F-4D97-AF65-F5344CB8AC3E}">
+        <p14:creationId xmlns:p14="http://schemas.microsoft.com/office/powerpoint/2010/main" val="1441989368"/>
+      </p:ext>
+    </p:extLst>
+  </p:cSld>
+  <p:clrMapOvr>
+    <a:masterClrMapping/>
+  </p:clrMapOvr>
+</p:sld>
+</file>
+
+<file path=ppt/slides/slide12.xml><?xml version="1.0" encoding="utf-8"?>
+<p:sld xmlns:a="http://schemas.openxmlformats.org/drawingml/2006/main" xmlns:r="http://schemas.openxmlformats.org/officeDocument/2006/relationships" xmlns:p="http://schemas.openxmlformats.org/presentationml/2006/main">
+  <p:cSld>
+    <p:spTree>
+      <p:nvGrpSpPr>
+        <p:cNvPr id="1" name=""/>
+        <p:cNvGrpSpPr/>
+        <p:nvPr/>
+      </p:nvGrpSpPr>
+      <p:grpSpPr>
+        <a:xfrm>
+          <a:off x="0" y="0"/>
+          <a:ext cx="0" cy="0"/>
+          <a:chOff x="0" y="0"/>
+          <a:chExt cx="0" cy="0"/>
+        </a:xfrm>
+      </p:grpSpPr>
+      <p:sp>
+        <p:nvSpPr>
           <p:cNvPr id="4" name="Title 1">
             <a:extLst>
               <a:ext uri="{FF2B5EF4-FFF2-40B4-BE49-F238E27FC236}">
@@ -3732,7 +4046,7 @@
         <p:spPr>
           <a:xfrm>
             <a:off x="838200" y="1390693"/>
-            <a:ext cx="10115550" cy="2585323"/>
+            <a:ext cx="10115550" cy="4524315"/>
           </a:xfrm>
           <a:prstGeom prst="rect">
             <a:avLst/>
@@ -3752,7 +4066,52 @@
                   </a:schemeClr>
                 </a:solidFill>
               </a:rPr>
-              <a:t>Akhilesh Somani – Tasks 0-3, Final PPT making, Final .</a:t>
+              <a:t>Akhilesh Somani – </a:t>
+            </a:r>
+          </a:p>
+          <a:p>
+            <a:pPr marL="342900" indent="-342900">
+              <a:buAutoNum type="arabicParenBoth"/>
+            </a:pPr>
+            <a:r>
+              <a:rPr lang="en-US" b="1" dirty="0">
+                <a:solidFill>
+                  <a:schemeClr val="accent1">
+                    <a:lumMod val="75000"/>
+                  </a:schemeClr>
+                </a:solidFill>
+              </a:rPr>
+              <a:t>Tasks 0-3</a:t>
+            </a:r>
+          </a:p>
+          <a:p>
+            <a:pPr marL="342900" indent="-342900">
+              <a:buAutoNum type="arabicParenBoth"/>
+            </a:pPr>
+            <a:r>
+              <a:rPr lang="en-US" b="1" dirty="0">
+                <a:solidFill>
+                  <a:schemeClr val="accent1">
+                    <a:lumMod val="75000"/>
+                  </a:schemeClr>
+                </a:solidFill>
+              </a:rPr>
+              <a:t>Final PPT making</a:t>
+            </a:r>
+          </a:p>
+          <a:p>
+            <a:pPr marL="342900" indent="-342900">
+              <a:buAutoNum type="arabicParenBoth"/>
+            </a:pPr>
+            <a:r>
+              <a:rPr lang="en-US" b="1" dirty="0">
+                <a:solidFill>
+                  <a:schemeClr val="accent1">
+                    <a:lumMod val="75000"/>
+                  </a:schemeClr>
+                </a:solidFill>
+              </a:rPr>
+              <a:t>Final .</a:t>
             </a:r>
             <a:r>
               <a:rPr lang="en-US" b="1" dirty="0" err="1">
@@ -3776,6 +4135,9 @@
             </a:r>
           </a:p>
           <a:p>
+            <a:pPr marL="342900" indent="-342900">
+              <a:buAutoNum type="arabicParenBoth"/>
+            </a:pPr>
             <a:r>
               <a:rPr lang="en-US" b="1" dirty="0">
                 <a:solidFill>
@@ -3784,7 +4146,96 @@
                   </a:schemeClr>
                 </a:solidFill>
               </a:rPr>
+              <a:t>Key Insights</a:t>
+            </a:r>
+          </a:p>
+          <a:p>
+            <a:r>
+              <a:rPr lang="en-US" b="1" dirty="0">
+                <a:solidFill>
+                  <a:schemeClr val="accent1">
+                    <a:lumMod val="75000"/>
+                  </a:schemeClr>
+                </a:solidFill>
+              </a:rPr>
               <a:t> </a:t>
+            </a:r>
+          </a:p>
+          <a:p>
+            <a:r>
+              <a:rPr lang="en-US" b="1" dirty="0">
+                <a:solidFill>
+                  <a:schemeClr val="accent1">
+                    <a:lumMod val="75000"/>
+                  </a:schemeClr>
+                </a:solidFill>
+              </a:rPr>
+              <a:t>Gowtham Kuntumalla – </a:t>
+            </a:r>
+          </a:p>
+          <a:p>
+            <a:pPr marL="342900" indent="-342900">
+              <a:buAutoNum type="arabicParenBoth"/>
+            </a:pPr>
+            <a:r>
+              <a:rPr lang="en-US" b="1" dirty="0">
+                <a:solidFill>
+                  <a:schemeClr val="accent1">
+                    <a:lumMod val="75000"/>
+                  </a:schemeClr>
+                </a:solidFill>
+              </a:rPr>
+              <a:t>Tasks 0-3</a:t>
+            </a:r>
+          </a:p>
+          <a:p>
+            <a:pPr marL="342900" indent="-342900">
+              <a:buAutoNum type="arabicParenBoth"/>
+            </a:pPr>
+            <a:r>
+              <a:rPr lang="en-US" b="1" dirty="0">
+                <a:solidFill>
+                  <a:schemeClr val="accent1">
+                    <a:lumMod val="75000"/>
+                  </a:schemeClr>
+                </a:solidFill>
+              </a:rPr>
+              <a:t>Checkpoint PPT making</a:t>
+            </a:r>
+          </a:p>
+          <a:p>
+            <a:pPr marL="342900" indent="-342900">
+              <a:buAutoNum type="arabicParenBoth"/>
+            </a:pPr>
+            <a:r>
+              <a:rPr lang="en-US" b="1" dirty="0">
+                <a:solidFill>
+                  <a:schemeClr val="accent1">
+                    <a:lumMod val="75000"/>
+                  </a:schemeClr>
+                </a:solidFill>
+              </a:rPr>
+              <a:t>Checkpoint .</a:t>
+            </a:r>
+            <a:r>
+              <a:rPr lang="en-US" b="1" dirty="0" err="1">
+                <a:solidFill>
+                  <a:schemeClr val="accent1">
+                    <a:lumMod val="75000"/>
+                  </a:schemeClr>
+                </a:solidFill>
+              </a:rPr>
+              <a:t>ipynb</a:t>
+            </a:r>
+            <a:r>
+              <a:rPr lang="en-US" b="1" dirty="0">
+                <a:solidFill>
+                  <a:schemeClr val="accent1">
+                    <a:lumMod val="75000"/>
+                  </a:schemeClr>
+                </a:solidFill>
+              </a:rPr>
+              <a:t> file compilation </a:t>
             </a:r>
           </a:p>
           <a:p>
@@ -3805,18 +4256,10 @@
                   </a:schemeClr>
                 </a:solidFill>
               </a:rPr>
-              <a:t>Gowtham Kuntumalla – Tasks 0-3, Checkpoint PPT making, Checkpoint .</a:t>
-            </a:r>
-            <a:r>
-              <a:rPr lang="en-US" b="1" dirty="0" err="1">
-                <a:solidFill>
-                  <a:schemeClr val="accent1">
-                    <a:lumMod val="75000"/>
-                  </a:schemeClr>
-                </a:solidFill>
-              </a:rPr>
-              <a:t>ipynb</a:t>
-            </a:r>
+              <a:t>Manan Mehta – </a:t>
+            </a:r>
+          </a:p>
+          <a:p>
             <a:r>
               <a:rPr lang="en-US" b="1" dirty="0">
                 <a:solidFill>
@@ -3825,26 +4268,8 @@
                   </a:schemeClr>
                 </a:solidFill>
               </a:rPr>
-              <a:t> file compilation </a:t>
-            </a:r>
-          </a:p>
-          <a:p>
-            <a:endParaRPr lang="en-US" b="1" dirty="0">
-              <a:solidFill>
-                <a:schemeClr val="accent1">
-                  <a:lumMod val="75000"/>
-                </a:schemeClr>
-              </a:solidFill>
-            </a:endParaRPr>
-          </a:p>
-          <a:p>
-            <a:endParaRPr lang="en-US" b="1" dirty="0">
-              <a:solidFill>
-                <a:schemeClr val="accent1">
-                  <a:lumMod val="75000"/>
-                </a:schemeClr>
-              </a:solidFill>
-            </a:endParaRPr>
+              <a:t>(1) Tasks 0-3</a:t>
+            </a:r>
           </a:p>
           <a:p>
             <a:r>
@@ -3855,7 +4280,7 @@
                   </a:schemeClr>
                 </a:solidFill>
               </a:rPr>
-              <a:t>Manan Mehta – Tasks 0-3 and key insights</a:t>
+              <a:t>(2) Key Insights</a:t>
             </a:r>
           </a:p>
           <a:p>
@@ -6119,7 +6544,7 @@
                       </a:schemeClr>
                     </a:solidFill>
                   </a:rPr>
-                  <a:t>0.00590</a:t>
+                  <a:t>0.0059</a:t>
                 </a:r>
               </a:p>
               <a:p>
@@ -6304,6 +6729,7 @@
                                 <a:lumMod val="75000"/>
                               </a:schemeClr>
                             </a:solidFill>
+                            <a:latin typeface="Cambria Math" panose="02040503050406030204" pitchFamily="18" charset="0"/>
                           </a:rPr>
                         </m:ctrlPr>
                       </m:fPr>
@@ -6770,7 +7196,7 @@
                   </a:schemeClr>
                 </a:solidFill>
               </a:rPr>
-              <a:t>38.1986</a:t>
+              <a:t>38.199</a:t>
             </a:r>
           </a:p>
           <a:p>
@@ -6886,7 +7312,7 @@
             </a:r>
             <a:r>
               <a:rPr lang="en-US" dirty="0"/>
-              <a:t>=automatic)</a:t>
+              <a:t>=automatic)=P(reaction time&gt;</a:t>
             </a:r>
           </a:p>
           <a:p>
@@ -6901,7 +7327,7 @@
                   </a:schemeClr>
                 </a:solidFill>
               </a:rPr>
-              <a:t>0.47355</a:t>
+              <a:t>0.474</a:t>
             </a:r>
           </a:p>
           <a:p>
@@ -6925,7 +7351,7 @@
                   </a:schemeClr>
                 </a:solidFill>
               </a:rPr>
-              <a:t>0.28125</a:t>
+              <a:t>0.281</a:t>
             </a:r>
           </a:p>
         </p:txBody>
@@ -6982,7 +7408,7 @@
                   </a:schemeClr>
                 </a:solidFill>
               </a:rPr>
-              <a:t>p(accident) = p(t&gt;0.6s|autoDiseng,cloudy)* p(</a:t>
+              <a:t>p(accident) = p(t &gt; 0.6s | </a:t>
             </a:r>
             <a:r>
               <a:rPr lang="en-US" b="1" dirty="0" err="1">
@@ -7002,7 +7428,7 @@
                   </a:schemeClr>
                 </a:solidFill>
               </a:rPr>
-              <a:t> | cloudy)* p(cloudy) + p(t&gt;0.9s|autoDiseng,clear)* p(</a:t>
+              <a:t> , cloudy)* p(</a:t>
             </a:r>
             <a:r>
               <a:rPr lang="en-US" b="1" dirty="0" err="1">
@@ -7022,6 +7448,46 @@
                   </a:schemeClr>
                 </a:solidFill>
               </a:rPr>
+              <a:t> | cloudy)* p(cloudy) + p(t &gt; 0.9s | </a:t>
+            </a:r>
+            <a:r>
+              <a:rPr lang="en-US" b="1" dirty="0" err="1">
+                <a:solidFill>
+                  <a:schemeClr val="accent1">
+                    <a:lumMod val="75000"/>
+                  </a:schemeClr>
+                </a:solidFill>
+              </a:rPr>
+              <a:t>autoDiseng</a:t>
+            </a:r>
+            <a:r>
+              <a:rPr lang="en-US" b="1" dirty="0">
+                <a:solidFill>
+                  <a:schemeClr val="accent1">
+                    <a:lumMod val="75000"/>
+                  </a:schemeClr>
+                </a:solidFill>
+              </a:rPr>
+              <a:t> , clear)* p(</a:t>
+            </a:r>
+            <a:r>
+              <a:rPr lang="en-US" b="1" dirty="0" err="1">
+                <a:solidFill>
+                  <a:schemeClr val="accent1">
+                    <a:lumMod val="75000"/>
+                  </a:schemeClr>
+                </a:solidFill>
+              </a:rPr>
+              <a:t>autoDiseng</a:t>
+            </a:r>
+            <a:r>
+              <a:rPr lang="en-US" b="1" dirty="0">
+                <a:solidFill>
+                  <a:schemeClr val="accent1">
+                    <a:lumMod val="75000"/>
+                  </a:schemeClr>
+                </a:solidFill>
+              </a:rPr>
               <a:t> | clear)* p(clear)</a:t>
             </a:r>
           </a:p>
@@ -7037,7 +7503,7 @@
                   </a:schemeClr>
                 </a:solidFill>
               </a:rPr>
-              <a:t>0.0004255</a:t>
+              <a:t>0.00043</a:t>
             </a:r>
             <a:endParaRPr lang="en-US" dirty="0"/>
           </a:p>
@@ -7142,7 +7608,7 @@
         <p:spPr>
           <a:xfrm>
             <a:off x="513567" y="1303630"/>
-            <a:ext cx="11192658" cy="1477328"/>
+            <a:ext cx="11192658" cy="1200329"/>
           </a:xfrm>
           <a:prstGeom prst="rect">
             <a:avLst/>
@@ -7214,9 +7680,6 @@
               </a:rPr>
               <a:t>). The consequence is that more work has to go in to make AVs as safe as human drivers, so that they can be put on the streets with equal (if not more) confidence.</a:t>
             </a:r>
-          </a:p>
-          <a:p>
-            <a:endParaRPr lang="en-US" dirty="0"/>
           </a:p>
         </p:txBody>
       </p:sp>
@@ -7310,7 +7773,7 @@
                   </a:schemeClr>
                 </a:solidFill>
               </a:rPr>
-              <a:t>0.05145</a:t>
+              <a:t>0.051</a:t>
             </a:r>
           </a:p>
           <a:p>
@@ -7326,7 +7789,7 @@
                   </a:schemeClr>
                 </a:solidFill>
               </a:rPr>
-              <a:t>0.9843290571186449</a:t>
+              <a:t>0.984</a:t>
             </a:r>
           </a:p>
           <a:p>
@@ -7345,7 +7808,7 @@
                   </a:schemeClr>
                 </a:solidFill>
               </a:rPr>
-              <a:t>p-value (0.9843290571186449) &gt; significance level (0.1)</a:t>
+              <a:t>p-value (0.984) &gt; significance level (0.1)</a:t>
             </a:r>
           </a:p>
           <a:p>
@@ -7614,7 +8077,7 @@
           <p:nvPr>
             <p:extLst>
               <p:ext uri="{D42A27DB-BD31-4B8C-83A1-F6EECF244321}">
-                <p14:modId xmlns:p14="http://schemas.microsoft.com/office/powerpoint/2010/main" val="257133244"/>
+                <p14:modId xmlns:p14="http://schemas.microsoft.com/office/powerpoint/2010/main" val="2982914243"/>
               </p:ext>
             </p:extLst>
           </p:nvPr>
@@ -7881,10 +8344,10 @@
                     <a:p>
                       <a:pPr algn="r" fontAlgn="ctr"/>
                       <a:r>
-                        <a:rPr lang="en-US">
+                        <a:rPr lang="en-US" dirty="0">
                           <a:effectLst/>
                         </a:rPr>
-                        <a:t>0.825175</a:t>
+                        <a:t>0.825</a:t>
                       </a:r>
                     </a:p>
                   </a:txBody>
@@ -7897,10 +8360,10 @@
                     <a:p>
                       <a:pPr algn="r" fontAlgn="ctr"/>
                       <a:r>
-                        <a:rPr lang="en-US">
+                        <a:rPr lang="en-US" dirty="0">
                           <a:effectLst/>
                         </a:rPr>
-                        <a:t>0.174825</a:t>
+                        <a:t>0.175</a:t>
                       </a:r>
                     </a:p>
                   </a:txBody>
@@ -8000,10 +8463,10 @@
                     <a:p>
                       <a:pPr algn="r" fontAlgn="ctr"/>
                       <a:r>
-                        <a:rPr lang="en-US">
+                        <a:rPr lang="en-US" dirty="0">
                           <a:effectLst/>
                         </a:rPr>
-                        <a:t>0.133333</a:t>
+                        <a:t>0.133</a:t>
                       </a:r>
                     </a:p>
                   </a:txBody>
@@ -8016,10 +8479,10 @@
                     <a:p>
                       <a:pPr algn="r" fontAlgn="ctr"/>
                       <a:r>
-                        <a:rPr lang="en-US">
+                        <a:rPr lang="en-US" dirty="0">
                           <a:effectLst/>
                         </a:rPr>
-                        <a:t>0.866667</a:t>
+                        <a:t>0.867</a:t>
                       </a:r>
                     </a:p>
                   </a:txBody>
@@ -8055,74 +8518,10 @@
                     <a:p>
                       <a:pPr algn="r" fontAlgn="ctr"/>
                       <a:r>
-                        <a:rPr lang="en-US">
+                        <a:rPr lang="en-US" dirty="0">
                           <a:effectLst/>
                         </a:rPr>
-                        <a:t>0.92735</a:t>
-                      </a:r>
-                    </a:p>
-                  </a:txBody>
-                  <a:tcPr anchor="ctr"/>
-                </a:tc>
-                <a:tc>
-                  <a:txBody>
-                    <a:bodyPr/>
-                    <a:lstStyle/>
-                    <a:p>
-                      <a:pPr algn="r" fontAlgn="ctr"/>
-                      <a:r>
-                        <a:rPr lang="en-US">
-                          <a:effectLst/>
-                        </a:rPr>
-                        <a:t>0.0726496</a:t>
-                      </a:r>
-                    </a:p>
-                  </a:txBody>
-                  <a:tcPr anchor="ctr"/>
-                </a:tc>
-                <a:tc>
-                  <a:txBody>
-                    <a:bodyPr/>
-                    <a:lstStyle/>
-                    <a:p>
-                      <a:pPr algn="r" fontAlgn="ctr"/>
-                      <a:r>
-                        <a:rPr lang="en-US">
-                          <a:effectLst/>
-                        </a:rPr>
-                        <a:t>0.371795</a:t>
-                      </a:r>
-                    </a:p>
-                  </a:txBody>
-                  <a:tcPr anchor="ctr"/>
-                </a:tc>
-                <a:tc>
-                  <a:txBody>
-                    <a:bodyPr/>
-                    <a:lstStyle/>
-                    <a:p>
-                      <a:pPr algn="r" fontAlgn="ctr"/>
-                      <a:r>
-                        <a:rPr lang="en-US">
-                          <a:effectLst/>
-                        </a:rPr>
-                        <a:t>0.628205</a:t>
-                      </a:r>
-                    </a:p>
-                  </a:txBody>
-                  <a:tcPr anchor="ctr"/>
-                </a:tc>
-                <a:tc>
-                  <a:txBody>
-                    <a:bodyPr/>
-                    <a:lstStyle/>
-                    <a:p>
-                      <a:pPr algn="r" fontAlgn="ctr"/>
-                      <a:r>
-                        <a:rPr lang="en-US">
-                          <a:effectLst/>
-                        </a:rPr>
-                        <a:t>0.487179</a:t>
+                        <a:t>0.927</a:t>
                       </a:r>
                     </a:p>
                   </a:txBody>
@@ -8138,7 +8537,71 @@
                         <a:rPr lang="en-US" dirty="0">
                           <a:effectLst/>
                         </a:rPr>
-                        <a:t>0.512821</a:t>
+                        <a:t>0.073</a:t>
+                      </a:r>
+                    </a:p>
+                  </a:txBody>
+                  <a:tcPr anchor="ctr"/>
+                </a:tc>
+                <a:tc>
+                  <a:txBody>
+                    <a:bodyPr/>
+                    <a:lstStyle/>
+                    <a:p>
+                      <a:pPr algn="r" fontAlgn="ctr"/>
+                      <a:r>
+                        <a:rPr lang="en-US" dirty="0">
+                          <a:effectLst/>
+                        </a:rPr>
+                        <a:t>0.373</a:t>
+                      </a:r>
+                    </a:p>
+                  </a:txBody>
+                  <a:tcPr anchor="ctr"/>
+                </a:tc>
+                <a:tc>
+                  <a:txBody>
+                    <a:bodyPr/>
+                    <a:lstStyle/>
+                    <a:p>
+                      <a:pPr algn="r" fontAlgn="ctr"/>
+                      <a:r>
+                        <a:rPr lang="en-US" dirty="0">
+                          <a:effectLst/>
+                        </a:rPr>
+                        <a:t>0.628</a:t>
+                      </a:r>
+                    </a:p>
+                  </a:txBody>
+                  <a:tcPr anchor="ctr"/>
+                </a:tc>
+                <a:tc>
+                  <a:txBody>
+                    <a:bodyPr/>
+                    <a:lstStyle/>
+                    <a:p>
+                      <a:pPr algn="r" fontAlgn="ctr"/>
+                      <a:r>
+                        <a:rPr lang="en-US" dirty="0">
+                          <a:effectLst/>
+                        </a:rPr>
+                        <a:t>0.487</a:t>
+                      </a:r>
+                    </a:p>
+                  </a:txBody>
+                  <a:tcPr anchor="ctr"/>
+                </a:tc>
+                <a:tc>
+                  <a:txBody>
+                    <a:bodyPr/>
+                    <a:lstStyle/>
+                    <a:p>
+                      <a:pPr algn="r" fontAlgn="ctr"/>
+                      <a:r>
+                        <a:rPr lang="en-US" dirty="0">
+                          <a:effectLst/>
+                        </a:rPr>
+                        <a:t>0.513</a:t>
                       </a:r>
                     </a:p>
                   </a:txBody>
@@ -8253,7 +8716,7 @@
         <p:spPr>
           <a:xfrm>
             <a:off x="838200" y="1390693"/>
-            <a:ext cx="10906125" cy="3416320"/>
+            <a:ext cx="10906125" cy="4524315"/>
           </a:xfrm>
           <a:prstGeom prst="rect">
             <a:avLst/>
@@ -8324,7 +8787,16 @@
             </a:r>
           </a:p>
           <a:p>
-            <a:endParaRPr lang="en-US" dirty="0"/>
+            <a:r>
+              <a:rPr lang="en-US" b="1" dirty="0">
+                <a:solidFill>
+                  <a:schemeClr val="accent1">
+                    <a:lumMod val="75000"/>
+                  </a:schemeClr>
+                </a:solidFill>
+              </a:rPr>
+              <a:t>The main assumption is that the features: Location, Weather and Type of Trigger are independent of each other.</a:t>
+            </a:r>
           </a:p>
           <a:p>
             <a:endParaRPr lang="en-US" dirty="0"/>
@@ -8337,6 +8809,49 @@
             <a:r>
               <a:rPr lang="en-US" dirty="0"/>
               <a:t> 8 – Possible improvements to increase classification accuracy</a:t>
+            </a:r>
+          </a:p>
+          <a:p>
+            <a:r>
+              <a:rPr lang="en-US" b="1" dirty="0">
+                <a:solidFill>
+                  <a:schemeClr val="accent1">
+                    <a:lumMod val="75000"/>
+                  </a:schemeClr>
+                </a:solidFill>
+              </a:rPr>
+              <a:t>Possible improvements are:</a:t>
+            </a:r>
+            <a:br>
+              <a:rPr lang="en-US" b="1" dirty="0">
+                <a:solidFill>
+                  <a:schemeClr val="accent1">
+                    <a:lumMod val="75000"/>
+                  </a:schemeClr>
+                </a:solidFill>
+              </a:rPr>
+            </a:br>
+            <a:r>
+              <a:rPr lang="en-US" b="1" dirty="0">
+                <a:solidFill>
+                  <a:schemeClr val="accent1">
+                    <a:lumMod val="75000"/>
+                  </a:schemeClr>
+                </a:solidFill>
+              </a:rPr>
+              <a:t>(1) Trying to incorporate more features into the classification study and then applying the Naïve Bayes model</a:t>
+            </a:r>
+          </a:p>
+          <a:p>
+            <a:r>
+              <a:rPr lang="en-US" b="1" dirty="0">
+                <a:solidFill>
+                  <a:schemeClr val="accent1">
+                    <a:lumMod val="75000"/>
+                  </a:schemeClr>
+                </a:solidFill>
+              </a:rPr>
+              <a:t>(2) Discarding the assumption that the features are independent, and constructing a Bayesian network to better understand the impact of one feature on another</a:t>
             </a:r>
           </a:p>
           <a:p>

--- a/somani4_MP1.pptx
+++ b/somani4_MP1.pptx
@@ -3699,7 +3699,45 @@
                 </a:solidFill>
                 <a:cs typeface="Calibri"/>
               </a:rPr>
-              <a:t>The type of trigger for ‘highway’ was almost always manual, meaning the AV never felt the need to disengage on highways.</a:t>
+              <a:t>The type of trigger for ‘highway’ was almost always ‘manual’, </a:t>
+            </a:r>
+            <a:r>
+              <a:rPr lang="en-US" sz="1800" b="1" dirty="0" err="1">
+                <a:solidFill>
+                  <a:schemeClr val="accent1">
+                    <a:lumMod val="75000"/>
+                  </a:schemeClr>
+                </a:solidFill>
+                <a:cs typeface="Calibri"/>
+              </a:rPr>
+              <a:t>i.e</a:t>
+            </a:r>
+            <a:r>
+              <a:rPr lang="en-US" sz="1800" b="1" dirty="0">
+                <a:solidFill>
+                  <a:schemeClr val="accent1">
+                    <a:lumMod val="75000"/>
+                  </a:schemeClr>
+                </a:solidFill>
+                <a:cs typeface="Calibri"/>
+              </a:rPr>
+              <a:t> the AV never felt the need to disengage on highways.</a:t>
+            </a:r>
+          </a:p>
+          <a:p>
+            <a:pPr marL="342900" indent="-342900">
+              <a:buAutoNum type="arabicParenBoth"/>
+            </a:pPr>
+            <a:r>
+              <a:rPr lang="en-US" sz="1800" b="1" dirty="0">
+                <a:solidFill>
+                  <a:schemeClr val="accent1">
+                    <a:lumMod val="75000"/>
+                  </a:schemeClr>
+                </a:solidFill>
+                <a:cs typeface="Calibri"/>
+              </a:rPr>
+              <a:t>The reaction time data for both cloudy and clear conditions may be drawn from the same distribution (Exponentiated Weibull) (thus verifying KS Test)</a:t>
             </a:r>
           </a:p>
           <a:p>

--- a/somani4_MP1.pptx
+++ b/somani4_MP1.pptx
@@ -16,7 +16,8 @@
     <p:sldId id="265" r:id="rId10"/>
     <p:sldId id="268" r:id="rId11"/>
     <p:sldId id="272" r:id="rId12"/>
-    <p:sldId id="267" r:id="rId13"/>
+    <p:sldId id="274" r:id="rId13"/>
+    <p:sldId id="267" r:id="rId14"/>
   </p:sldIdLst>
   <p:sldSz cx="12192000" cy="6858000"/>
   <p:notesSz cx="6858000" cy="9144000"/>
@@ -126,8 +127,8 @@
 <file path=ppt/revisionInfo.xml><?xml version="1.0" encoding="utf-8"?>
 <p1510:revInfo xmlns:a="http://schemas.openxmlformats.org/drawingml/2006/main" xmlns:r="http://schemas.openxmlformats.org/officeDocument/2006/relationships" xmlns:p1510="http://schemas.microsoft.com/office/powerpoint/2015/10/main">
   <p1510:revLst>
+    <p1510:client id="{7B0F4110-8C0A-44DE-BA03-AD1505DD8AEA}" v="38" dt="2020-02-14T00:19:09.516"/>
     <p1510:client id="{439EBECA-9065-49B9-9CD5-6917D7CD511D}" v="81" dt="2020-02-14T00:17:24.968"/>
-    <p1510:client id="{7B0F4110-8C0A-44DE-BA03-AD1505DD8AEA}" v="38" dt="2020-02-14T00:19:09.516"/>
     <p1510:client id="{956BB4E9-F319-418E-9998-7F0942442DC6}" v="324" dt="2020-02-13T17:24:46.527"/>
   </p1510:revLst>
 </p1510:revInfo>
@@ -3529,6 +3530,12 @@
               <a:t>Manan Mehta (mananm2)</a:t>
             </a:r>
           </a:p>
+          <a:p>
+            <a:r>
+              <a:rPr lang="en-US" dirty="0"/>
+              <a:t>Registered for ECE 498 (4-credit hours)</a:t>
+            </a:r>
+          </a:p>
         </p:txBody>
       </p:sp>
     </p:spTree>
@@ -3615,8 +3622,8 @@
         </p:nvSpPr>
         <p:spPr>
           <a:xfrm>
-            <a:off x="342900" y="809624"/>
-            <a:ext cx="11677650" cy="5819776"/>
+            <a:off x="293615" y="809624"/>
+            <a:ext cx="11726935" cy="5819776"/>
           </a:xfrm>
         </p:spPr>
         <p:txBody>
@@ -3645,46 +3652,21 @@
                 </a:solidFill>
                 <a:cs typeface="Calibri"/>
               </a:rPr>
-              <a:t>The AVs seem to perform way better on the highways than the urban streets. The CPT shows that the disengagement probabilities for {urban-street, highway} </a:t>
-            </a:r>
-            <a:r>
-              <a:rPr lang="en-US" sz="1800" b="1" baseline="-15000" dirty="0">
-                <a:solidFill>
-                  <a:schemeClr val="accent1">
-                    <a:lumMod val="75000"/>
-                  </a:schemeClr>
-                </a:solidFill>
-                <a:cs typeface="Calibri"/>
-              </a:rPr>
-              <a:t>~</a:t>
-            </a:r>
-            <a:r>
-              <a:rPr lang="en-US" sz="1800" b="1" dirty="0">
-                <a:solidFill>
-                  <a:schemeClr val="accent1">
-                    <a:lumMod val="75000"/>
-                  </a:schemeClr>
-                </a:solidFill>
-                <a:cs typeface="Calibri"/>
-              </a:rPr>
-              <a:t> {1,0}, which means almost all the disengagements occurred in urban areas. So, location does not really affect the disengagement – chances are almost all the disengagements will occur in the urban areas.</a:t>
+              <a:t>The AVs seem to perform way better on the highways than the urban streets. So, we figured location does not really affect the disengagement – chances are almost all the disengagements will occur in the urban areas.</a:t>
             </a:r>
           </a:p>
           <a:p>
             <a:pPr marL="342900" indent="-342900">
               <a:buAutoNum type="arabicParenBoth"/>
             </a:pPr>
-            <a:r>
-              <a:rPr lang="en-US" sz="1800" b="1" dirty="0">
-                <a:solidFill>
-                  <a:schemeClr val="accent1">
-                    <a:lumMod val="75000"/>
-                  </a:schemeClr>
-                </a:solidFill>
-                <a:cs typeface="Calibri"/>
-              </a:rPr>
-              <a:t>When we perform Naïve Bayes classification after discarding ‘location’ as the feature, we still get the same accuracy. </a:t>
-            </a:r>
+            <a:endParaRPr lang="en-US" sz="1800" b="1" dirty="0">
+              <a:solidFill>
+                <a:schemeClr val="accent1">
+                  <a:lumMod val="75000"/>
+                </a:schemeClr>
+              </a:solidFill>
+              <a:cs typeface="Calibri"/>
+            </a:endParaRPr>
           </a:p>
           <a:p>
             <a:pPr marL="342900" indent="-342900">
@@ -3699,35 +3681,26 @@
                 </a:solidFill>
                 <a:cs typeface="Calibri"/>
               </a:rPr>
-              <a:t>The type of trigger for ‘highway’ was almost always ‘manual’, </a:t>
-            </a:r>
-            <a:r>
-              <a:rPr lang="en-US" sz="1800" b="1" dirty="0" err="1">
-                <a:solidFill>
-                  <a:schemeClr val="accent1">
-                    <a:lumMod val="75000"/>
-                  </a:schemeClr>
-                </a:solidFill>
-                <a:cs typeface="Calibri"/>
-              </a:rPr>
-              <a:t>i.e</a:t>
-            </a:r>
-            <a:r>
-              <a:rPr lang="en-US" sz="1800" b="1" dirty="0">
-                <a:solidFill>
-                  <a:schemeClr val="accent1">
-                    <a:lumMod val="75000"/>
-                  </a:schemeClr>
-                </a:solidFill>
-                <a:cs typeface="Calibri"/>
-              </a:rPr>
-              <a:t> the AV never felt the need to disengage on highways.</a:t>
+              <a:t>On performing a chi-squared test on Location and Type Of Trigger features, we found high likelihood that they are dependent.</a:t>
             </a:r>
           </a:p>
           <a:p>
             <a:pPr marL="342900" indent="-342900">
               <a:buAutoNum type="arabicParenBoth"/>
             </a:pPr>
+            <a:endParaRPr lang="en-US" sz="1800" b="1" dirty="0">
+              <a:solidFill>
+                <a:schemeClr val="accent1">
+                  <a:lumMod val="75000"/>
+                </a:schemeClr>
+              </a:solidFill>
+              <a:cs typeface="Calibri"/>
+            </a:endParaRPr>
+          </a:p>
+          <a:p>
+            <a:pPr marL="342900" indent="-342900">
+              <a:buAutoNum type="arabicParenBoth"/>
+            </a:pPr>
             <a:r>
               <a:rPr lang="en-US" sz="1800" b="1" dirty="0">
                 <a:solidFill>
@@ -3737,71 +3710,65 @@
                 </a:solidFill>
                 <a:cs typeface="Calibri"/>
               </a:rPr>
+              <a:t>When we perform Naïve Bayes classification after discarding ‘location’ as a feature, we still get the same accuracy. From the CPT, we see that the location parameters almost always lean towards urban-street, thus the classifier accuracy wasn’t affected. Instead of a generalized location, if we would’ve been provided more specific data like traffic density, infrastructure or LIDAR readings from the location, it would’ve bolstered our model.</a:t>
+            </a:r>
+          </a:p>
+          <a:p>
+            <a:pPr marL="342900" indent="-342900">
+              <a:buAutoNum type="arabicParenBoth"/>
+            </a:pPr>
+            <a:endParaRPr lang="en-US" sz="1800" b="1" dirty="0">
+              <a:solidFill>
+                <a:schemeClr val="accent1">
+                  <a:lumMod val="75000"/>
+                </a:schemeClr>
+              </a:solidFill>
+              <a:cs typeface="Calibri"/>
+            </a:endParaRPr>
+          </a:p>
+          <a:p>
+            <a:pPr marL="342900" indent="-342900">
+              <a:buAutoNum type="arabicParenBoth"/>
+            </a:pPr>
+            <a:r>
+              <a:rPr lang="en-US" sz="1800" b="1" dirty="0">
+                <a:solidFill>
+                  <a:schemeClr val="accent1">
+                    <a:lumMod val="75000"/>
+                  </a:schemeClr>
+                </a:solidFill>
+                <a:cs typeface="Calibri"/>
+              </a:rPr>
+              <a:t>The type of trigger for ‘highway’ was almost always ‘manual’, i.e. the AV never felt the need to disengage on highways.</a:t>
+            </a:r>
+          </a:p>
+          <a:p>
+            <a:pPr marL="342900" indent="-342900">
+              <a:buAutoNum type="arabicParenBoth"/>
+            </a:pPr>
+            <a:endParaRPr lang="en-US" sz="1800" b="1" dirty="0">
+              <a:solidFill>
+                <a:schemeClr val="accent1">
+                  <a:lumMod val="75000"/>
+                </a:schemeClr>
+              </a:solidFill>
+              <a:cs typeface="Calibri"/>
+            </a:endParaRPr>
+          </a:p>
+          <a:p>
+            <a:pPr marL="342900" indent="-342900">
+              <a:buAutoNum type="arabicParenBoth"/>
+            </a:pPr>
+            <a:r>
+              <a:rPr lang="en-US" sz="1800" b="1" dirty="0">
+                <a:solidFill>
+                  <a:schemeClr val="accent1">
+                    <a:lumMod val="75000"/>
+                  </a:schemeClr>
+                </a:solidFill>
+                <a:cs typeface="Calibri"/>
+              </a:rPr>
               <a:t>The reaction time data for both cloudy and clear conditions may be drawn from the same distribution (Exponentiated Weibull) (thus verifying KS Test)</a:t>
-            </a:r>
-          </a:p>
-          <a:p>
-            <a:r>
-              <a:rPr lang="en-US" sz="1800" dirty="0">
-                <a:cs typeface="Calibri"/>
-              </a:rPr>
-              <a:t>Would you ride in an AV based on the data you have analyzed?</a:t>
-            </a:r>
-          </a:p>
-          <a:p>
-            <a:pPr marL="0" indent="0">
-              <a:buNone/>
-            </a:pPr>
-            <a:r>
-              <a:rPr lang="en-US" sz="1800" b="1" dirty="0">
-                <a:solidFill>
-                  <a:schemeClr val="accent1">
-                    <a:lumMod val="75000"/>
-                  </a:schemeClr>
-                </a:solidFill>
-                <a:cs typeface="Calibri"/>
-              </a:rPr>
-              <a:t>No, we would not ride in an AV at this stage. The AVs need more work as the probability of getting in an accident is roughly 213 times higher than that caused by human drivers.</a:t>
-            </a:r>
-          </a:p>
-          <a:p>
-            <a:r>
-              <a:rPr lang="en-US" sz="1800" dirty="0">
-                <a:cs typeface="Calibri"/>
-              </a:rPr>
-              <a:t>What do you think about the future of AVs and how soon they will be deployed?</a:t>
-            </a:r>
-          </a:p>
-          <a:p>
-            <a:pPr marL="0" indent="0">
-              <a:buNone/>
-            </a:pPr>
-            <a:r>
-              <a:rPr lang="en-US" sz="1800" b="1" dirty="0">
-                <a:solidFill>
-                  <a:schemeClr val="accent1">
-                    <a:lumMod val="75000"/>
-                  </a:schemeClr>
-                </a:solidFill>
-                <a:cs typeface="Calibri"/>
-              </a:rPr>
-              <a:t>We think that there may come a time (typically 5 years) when the AVs will be fully functional, needing no backup driver behind the wheel and open to the public. Plotting the number of disengagements with time suggest that AVs are maturing over time. It would definitely require a lot of work to accomplish this but it is quite feasible.</a:t>
-            </a:r>
-          </a:p>
-          <a:p>
-            <a:pPr marL="0" indent="0">
-              <a:buNone/>
-            </a:pPr>
-            <a:r>
-              <a:rPr lang="en-US" sz="1800" b="1" dirty="0">
-                <a:solidFill>
-                  <a:schemeClr val="accent1">
-                    <a:lumMod val="75000"/>
-                  </a:schemeClr>
-                </a:solidFill>
-                <a:cs typeface="Calibri"/>
-              </a:rPr>
-              <a:t>However, we feel like they would still be limited to less crowded cities and countries like the US (where there are proper road markings, signals and signboards on all the roads). Very big cities like LA, NYC or countries like India might be a challenge for AVs.</a:t>
             </a:r>
           </a:p>
         </p:txBody>
@@ -3887,7 +3854,7 @@
         <p:spPr>
           <a:xfrm>
             <a:off x="438150" y="904875"/>
-            <a:ext cx="11391900" cy="3693319"/>
+            <a:ext cx="11391900" cy="3970318"/>
           </a:xfrm>
           <a:prstGeom prst="rect">
             <a:avLst/>
@@ -3899,42 +3866,36 @@
           </a:bodyPr>
           <a:lstStyle/>
           <a:p>
-            <a:r>
-              <a:rPr lang="en-US" dirty="0">
-                <a:cs typeface="Calibri"/>
-              </a:rPr>
-              <a:t>What would you change about the MP? What other analysis would you have done? Maybe if there was additional data</a:t>
-            </a:r>
-          </a:p>
-          <a:p>
+            <a:pPr marL="285750" indent="-285750">
+              <a:buFont typeface="Arial" panose="020B0604020202020204" pitchFamily="34" charset="0"/>
+              <a:buChar char="•"/>
+            </a:pPr>
             <a:endParaRPr lang="en-US" dirty="0">
               <a:cs typeface="Calibri"/>
             </a:endParaRPr>
           </a:p>
           <a:p>
-            <a:r>
-              <a:rPr lang="en-US" b="1" dirty="0">
-                <a:solidFill>
-                  <a:schemeClr val="accent1">
-                    <a:lumMod val="75000"/>
-                  </a:schemeClr>
-                </a:solidFill>
-                <a:cs typeface="Calibri"/>
-              </a:rPr>
-              <a:t>An interesting parameter to compare would have been the “time taken by a human to make a decision v/s the reaction time of the AV” (but NOT like in the event of an automatic disengagement). </a:t>
-            </a:r>
-          </a:p>
-          <a:p>
-            <a:endParaRPr lang="en-US" b="1" dirty="0">
-              <a:solidFill>
-                <a:schemeClr val="accent1">
-                  <a:lumMod val="75000"/>
-                </a:schemeClr>
-              </a:solidFill>
+            <a:pPr marL="285750" indent="-285750">
+              <a:buFont typeface="Arial" panose="020B0604020202020204" pitchFamily="34" charset="0"/>
+              <a:buChar char="•"/>
+            </a:pPr>
+            <a:endParaRPr lang="en-US" dirty="0">
               <a:cs typeface="Calibri"/>
             </a:endParaRPr>
           </a:p>
           <a:p>
+            <a:pPr marL="285750" indent="-285750">
+              <a:buFont typeface="Arial" panose="020B0604020202020204" pitchFamily="34" charset="0"/>
+              <a:buChar char="•"/>
+            </a:pPr>
+            <a:r>
+              <a:rPr lang="en-US" dirty="0">
+                <a:cs typeface="Calibri"/>
+              </a:rPr>
+              <a:t>Would you ride in an AV based on the data you have analyzed?</a:t>
+            </a:r>
+          </a:p>
+          <a:p>
             <a:r>
               <a:rPr lang="en-US" b="1" dirty="0">
                 <a:solidFill>
@@ -3944,33 +3905,27 @@
                 </a:solidFill>
                 <a:cs typeface="Calibri"/>
               </a:rPr>
-              <a:t>For example, when a traffic signal turns green, how much time does the AV wait for before actually beginning to move? Or how much time does it take compared to a human driver to make a left turn where there is no traffic signal?</a:t>
-            </a:r>
-          </a:p>
-          <a:p>
-            <a:r>
-              <a:rPr lang="en-US" b="1" dirty="0">
-                <a:solidFill>
-                  <a:schemeClr val="accent1">
-                    <a:lumMod val="75000"/>
-                  </a:schemeClr>
-                </a:solidFill>
-                <a:cs typeface="Calibri"/>
-              </a:rPr>
-              <a:t>Or how much time does it spend at an all-way STOP compared to a human driver?</a:t>
-            </a:r>
-          </a:p>
-          <a:p>
-            <a:endParaRPr lang="en-US" b="1" dirty="0">
-              <a:solidFill>
-                <a:schemeClr val="accent1">
-                  <a:lumMod val="75000"/>
-                </a:schemeClr>
-              </a:solidFill>
+              <a:t>No, we would not ride in an AV at this stage. The AVs need more work as the probability of getting in an accident is roughly 213 times higher than that caused by human drivers.</a:t>
+            </a:r>
+          </a:p>
+          <a:p>
+            <a:endParaRPr lang="en-US" dirty="0">
               <a:cs typeface="Calibri"/>
             </a:endParaRPr>
           </a:p>
           <a:p>
+            <a:pPr marL="285750" indent="-285750">
+              <a:buFont typeface="Arial" panose="020B0604020202020204" pitchFamily="34" charset="0"/>
+              <a:buChar char="•"/>
+            </a:pPr>
+            <a:r>
+              <a:rPr lang="en-US" dirty="0">
+                <a:cs typeface="Calibri"/>
+              </a:rPr>
+              <a:t>What do you think about the future of AVs and how soon they will be deployed?</a:t>
+            </a:r>
+          </a:p>
+          <a:p>
             <a:r>
               <a:rPr lang="en-US" b="1" dirty="0">
                 <a:solidFill>
@@ -3980,8 +3935,26 @@
                 </a:solidFill>
                 <a:cs typeface="Calibri"/>
               </a:rPr>
-              <a:t>This way, the reaction time of the AV could be analyzed. If the reaction times are too high compared to humans, maybe the AVs are extra careful but would have still been fine if they were little quick in taking the action. Or if the reaction times were way too low (and there was no accident), we could understand and explore these situations where an AV is more reliable and efficient over a human driver.</a:t>
-            </a:r>
+              <a:t>We think that there may come a time (typically 5 years) when the AVs will be fully functional, needing no backup driver behind the wheel and open to the public. Plotting the number of disengagements with time suggest that AVs are maturing over time. It would definitely require a lot of work to accomplish this but it is quite feasible.</a:t>
+            </a:r>
+          </a:p>
+          <a:p>
+            <a:r>
+              <a:rPr lang="en-US" b="1" dirty="0">
+                <a:solidFill>
+                  <a:schemeClr val="accent1">
+                    <a:lumMod val="75000"/>
+                  </a:schemeClr>
+                </a:solidFill>
+                <a:cs typeface="Calibri"/>
+              </a:rPr>
+              <a:t>However, we feel like they would still be limited to less crowded cities and countries like the US (where there are proper road markings, signals and signboards on all the roads). Very big cities like LA, NYC or countries like India might be a challenge for AVs.</a:t>
+            </a:r>
+          </a:p>
+          <a:p>
+            <a:endParaRPr lang="en-US" dirty="0">
+              <a:cs typeface="Calibri"/>
+            </a:endParaRPr>
           </a:p>
         </p:txBody>
       </p:sp>
@@ -3999,6 +3972,207 @@
 </file>
 
 <file path=ppt/slides/slide12.xml><?xml version="1.0" encoding="utf-8"?>
+<p:sld xmlns:a="http://schemas.openxmlformats.org/drawingml/2006/main" xmlns:r="http://schemas.openxmlformats.org/officeDocument/2006/relationships" xmlns:p="http://schemas.openxmlformats.org/presentationml/2006/main">
+  <p:cSld>
+    <p:spTree>
+      <p:nvGrpSpPr>
+        <p:cNvPr id="1" name=""/>
+        <p:cNvGrpSpPr/>
+        <p:nvPr/>
+      </p:nvGrpSpPr>
+      <p:grpSpPr>
+        <a:xfrm>
+          <a:off x="0" y="0"/>
+          <a:ext cx="0" cy="0"/>
+          <a:chOff x="0" y="0"/>
+          <a:chExt cx="0" cy="0"/>
+        </a:xfrm>
+      </p:grpSpPr>
+      <p:sp>
+        <p:nvSpPr>
+          <p:cNvPr id="2" name="Title 1">
+            <a:extLst>
+              <a:ext uri="{FF2B5EF4-FFF2-40B4-BE49-F238E27FC236}">
+                <a16:creationId xmlns:a16="http://schemas.microsoft.com/office/drawing/2014/main" id="{7B83CDE5-42C9-4D0B-8699-54AE0E92E7DF}"/>
+              </a:ext>
+            </a:extLst>
+          </p:cNvPr>
+          <p:cNvSpPr>
+            <a:spLocks noGrp="1"/>
+          </p:cNvSpPr>
+          <p:nvPr>
+            <p:ph type="title"/>
+          </p:nvPr>
+        </p:nvSpPr>
+        <p:spPr>
+          <a:xfrm>
+            <a:off x="438150" y="46036"/>
+            <a:ext cx="10515600" cy="858839"/>
+          </a:xfrm>
+        </p:spPr>
+        <p:txBody>
+          <a:bodyPr/>
+          <a:lstStyle/>
+          <a:p>
+            <a:r>
+              <a:rPr lang="en-US" dirty="0">
+                <a:cs typeface="Calibri Light"/>
+              </a:rPr>
+              <a:t>Insights on AV safety</a:t>
+            </a:r>
+            <a:endParaRPr lang="en-US" dirty="0"/>
+          </a:p>
+        </p:txBody>
+      </p:sp>
+      <p:sp>
+        <p:nvSpPr>
+          <p:cNvPr id="6" name="Rectangle 5">
+            <a:extLst>
+              <a:ext uri="{FF2B5EF4-FFF2-40B4-BE49-F238E27FC236}">
+                <a16:creationId xmlns:a16="http://schemas.microsoft.com/office/drawing/2014/main" id="{4255A657-052B-4056-9E13-AF0B184DEB63}"/>
+              </a:ext>
+            </a:extLst>
+          </p:cNvPr>
+          <p:cNvSpPr/>
+          <p:nvPr/>
+        </p:nvSpPr>
+        <p:spPr>
+          <a:xfrm>
+            <a:off x="438150" y="904875"/>
+            <a:ext cx="11391900" cy="5078313"/>
+          </a:xfrm>
+          <a:prstGeom prst="rect">
+            <a:avLst/>
+          </a:prstGeom>
+        </p:spPr>
+        <p:txBody>
+          <a:bodyPr wrap="square">
+            <a:spAutoFit/>
+          </a:bodyPr>
+          <a:lstStyle/>
+          <a:p>
+            <a:endParaRPr lang="en-US" dirty="0">
+              <a:cs typeface="Calibri"/>
+            </a:endParaRPr>
+          </a:p>
+          <a:p>
+            <a:pPr marL="285750" indent="-285750">
+              <a:buFont typeface="Arial" panose="020B0604020202020204" pitchFamily="34" charset="0"/>
+              <a:buChar char="•"/>
+            </a:pPr>
+            <a:r>
+              <a:rPr lang="en-US" dirty="0">
+                <a:cs typeface="Calibri"/>
+              </a:rPr>
+              <a:t>What would you change about the MP? What other analysis would you have done? Maybe if there was additional data</a:t>
+            </a:r>
+          </a:p>
+          <a:p>
+            <a:endParaRPr lang="en-US" dirty="0">
+              <a:cs typeface="Calibri"/>
+            </a:endParaRPr>
+          </a:p>
+          <a:p>
+            <a:r>
+              <a:rPr lang="en-US" b="1" dirty="0">
+                <a:solidFill>
+                  <a:schemeClr val="accent1">
+                    <a:lumMod val="75000"/>
+                  </a:schemeClr>
+                </a:solidFill>
+                <a:cs typeface="Calibri"/>
+              </a:rPr>
+              <a:t>An interesting parameter to compare would have been the “time taken by a human to make a decision v/s the reaction time of the AV” (but NOT like in the event of an automatic disengagement). </a:t>
+            </a:r>
+          </a:p>
+          <a:p>
+            <a:endParaRPr lang="en-US" b="1" dirty="0">
+              <a:solidFill>
+                <a:schemeClr val="accent1">
+                  <a:lumMod val="75000"/>
+                </a:schemeClr>
+              </a:solidFill>
+              <a:cs typeface="Calibri"/>
+            </a:endParaRPr>
+          </a:p>
+          <a:p>
+            <a:r>
+              <a:rPr lang="en-US" b="1" dirty="0">
+                <a:solidFill>
+                  <a:schemeClr val="accent1">
+                    <a:lumMod val="75000"/>
+                  </a:schemeClr>
+                </a:solidFill>
+                <a:cs typeface="Calibri"/>
+              </a:rPr>
+              <a:t>For example, when a traffic signal turns green, how much time does the AV wait for before actually beginning to move? Or how much time does it take compared to a human driver to make a left turn where there is no traffic signal?</a:t>
+            </a:r>
+          </a:p>
+          <a:p>
+            <a:r>
+              <a:rPr lang="en-US" b="1" dirty="0">
+                <a:solidFill>
+                  <a:schemeClr val="accent1">
+                    <a:lumMod val="75000"/>
+                  </a:schemeClr>
+                </a:solidFill>
+                <a:cs typeface="Calibri"/>
+              </a:rPr>
+              <a:t>Or how much time does it spend at an all-way STOP compared to a human driver?</a:t>
+            </a:r>
+          </a:p>
+          <a:p>
+            <a:endParaRPr lang="en-US" b="1" dirty="0">
+              <a:solidFill>
+                <a:schemeClr val="accent1">
+                  <a:lumMod val="75000"/>
+                </a:schemeClr>
+              </a:solidFill>
+              <a:cs typeface="Calibri"/>
+            </a:endParaRPr>
+          </a:p>
+          <a:p>
+            <a:r>
+              <a:rPr lang="en-US" b="1" dirty="0">
+                <a:solidFill>
+                  <a:schemeClr val="accent1">
+                    <a:lumMod val="75000"/>
+                  </a:schemeClr>
+                </a:solidFill>
+                <a:cs typeface="Calibri"/>
+              </a:rPr>
+              <a:t>This way, the reaction time of the AV could be analyzed. If the reaction times are too high compared to humans, maybe the AVs are extra careful but would have still been fine if they were little quick in taking the action. Or if the reaction times were way too low (and there was no accident), we could understand and explore these situations where an AV is more reliable and efficient over a human driver.</a:t>
+            </a:r>
+          </a:p>
+          <a:p>
+            <a:endParaRPr lang="en-US" dirty="0"/>
+          </a:p>
+          <a:p>
+            <a:endParaRPr lang="en-US" dirty="0">
+              <a:cs typeface="Calibri"/>
+            </a:endParaRPr>
+          </a:p>
+          <a:p>
+            <a:endParaRPr lang="en-US" dirty="0">
+              <a:cs typeface="Calibri"/>
+            </a:endParaRPr>
+          </a:p>
+        </p:txBody>
+      </p:sp>
+    </p:spTree>
+    <p:extLst>
+      <p:ext uri="{BB962C8B-B14F-4D97-AF65-F5344CB8AC3E}">
+        <p14:creationId xmlns:p14="http://schemas.microsoft.com/office/powerpoint/2010/main" val="1637515360"/>
+      </p:ext>
+    </p:extLst>
+  </p:cSld>
+  <p:clrMapOvr>
+    <a:masterClrMapping/>
+  </p:clrMapOvr>
+</p:sld>
+</file>
+
+<file path=ppt/slides/slide13.xml><?xml version="1.0" encoding="utf-8"?>
 <p:sld xmlns:a="http://schemas.openxmlformats.org/drawingml/2006/main" xmlns:r="http://schemas.openxmlformats.org/officeDocument/2006/relationships" xmlns:p="http://schemas.openxmlformats.org/presentationml/2006/main">
   <p:cSld>
     <p:spTree>
@@ -5385,10 +5559,10 @@
       </p:pic>
       <p:pic>
         <p:nvPicPr>
-          <p:cNvPr id="3074" name="Picture 2">
-            <a:extLst>
-              <a:ext uri="{FF2B5EF4-FFF2-40B4-BE49-F238E27FC236}">
-                <a16:creationId xmlns:a16="http://schemas.microsoft.com/office/drawing/2014/main" id="{3E18A901-16DD-43FD-A67B-746FA149D026}"/>
+          <p:cNvPr id="1026" name="Picture 2">
+            <a:extLst>
+              <a:ext uri="{FF2B5EF4-FFF2-40B4-BE49-F238E27FC236}">
+                <a16:creationId xmlns:a16="http://schemas.microsoft.com/office/drawing/2014/main" id="{06EF7288-B555-4CFF-8593-C88FF0CE87FC}"/>
               </a:ext>
             </a:extLst>
           </p:cNvPr>
@@ -5412,8 +5586,8 @@
         </p:blipFill>
         <p:spPr bwMode="auto">
           <a:xfrm>
-            <a:off x="1914525" y="3976359"/>
-            <a:ext cx="4964827" cy="2312524"/>
+            <a:off x="2301648" y="4095870"/>
+            <a:ext cx="4577704" cy="2132210"/>
           </a:xfrm>
           <a:prstGeom prst="rect">
             <a:avLst/>
@@ -5643,27 +5817,7 @@
                   </a:schemeClr>
                 </a:solidFill>
               </a:rPr>
-              <a:t>(c) Weibull – It is a </a:t>
-            </a:r>
-            <a:r>
-              <a:rPr lang="en-US" b="1" dirty="0" err="1">
-                <a:solidFill>
-                  <a:schemeClr val="accent1">
-                    <a:lumMod val="75000"/>
-                  </a:schemeClr>
-                </a:solidFill>
-              </a:rPr>
-              <a:t>generalisation</a:t>
-            </a:r>
-            <a:r>
-              <a:rPr lang="en-US" b="1" dirty="0">
-                <a:solidFill>
-                  <a:schemeClr val="accent1">
-                    <a:lumMod val="75000"/>
-                  </a:schemeClr>
-                </a:solidFill>
-              </a:rPr>
-              <a:t> of standard exponential distribution (k = 1).</a:t>
+              <a:t>(c) Weibull – It is a generalization of standard exponential distribution (k = 1).</a:t>
             </a:r>
           </a:p>
           <a:p>
@@ -6508,8 +6662,8 @@
           </a:p>
         </p:txBody>
       </p:sp>
-      <mc:AlternateContent xmlns:mc="http://schemas.openxmlformats.org/markup-compatibility/2006">
-        <mc:Choice xmlns:a14="http://schemas.microsoft.com/office/drawing/2010/main" Requires="a14">
+      <mc:AlternateContent xmlns:mc="http://schemas.openxmlformats.org/markup-compatibility/2006" xmlns:a14="http://schemas.microsoft.com/office/drawing/2010/main">
+        <mc:Choice Requires="a14">
           <p:sp>
             <p:nvSpPr>
               <p:cNvPr id="5" name="Rectangle 4">
@@ -6931,7 +7085,7 @@
             </p:txBody>
           </p:sp>
         </mc:Choice>
-        <mc:Fallback>
+        <mc:Fallback xmlns="">
           <p:sp>
             <p:nvSpPr>
               <p:cNvPr id="5" name="Rectangle 4">
@@ -7307,8 +7461,8 @@
         </p:nvSpPr>
         <p:spPr>
           <a:xfrm>
-            <a:off x="7128769" y="1232608"/>
-            <a:ext cx="4998128" cy="3416320"/>
+            <a:off x="6352782" y="787991"/>
+            <a:ext cx="5742875" cy="2585323"/>
           </a:xfrm>
           <a:prstGeom prst="rect">
             <a:avLst/>
@@ -7342,7 +7496,15 @@
           <a:p>
             <a:r>
               <a:rPr lang="en-US" dirty="0"/>
-              <a:t>(a) P(reaction time&gt;0.6 | weather=cloudy, </a:t>
+              <a:t>(a) P(reaction time</a:t>
+            </a:r>
+            <a:r>
+              <a:rPr lang="en-US"/>
+              <a:t>&gt;0.6s </a:t>
+            </a:r>
+            <a:r>
+              <a:rPr lang="en-US" dirty="0"/>
+              <a:t>| weather=cloudy, </a:t>
             </a:r>
             <a:r>
               <a:rPr lang="en-US" dirty="0" err="1"/>
@@ -7350,7 +7512,19 @@
             </a:r>
             <a:r>
               <a:rPr lang="en-US" dirty="0"/>
-              <a:t>=automatic)=P(reaction time&gt;</a:t>
+              <a:t>=auto)</a:t>
+            </a:r>
+          </a:p>
+          <a:p>
+            <a:r>
+              <a:rPr lang="en-US" b="1" dirty="0">
+                <a:solidFill>
+                  <a:schemeClr val="accent1">
+                    <a:lumMod val="75000"/>
+                  </a:schemeClr>
+                </a:solidFill>
+              </a:rPr>
+              <a:t>0.474</a:t>
             </a:r>
           </a:p>
           <a:p>
@@ -7358,27 +7532,17 @@
           </a:p>
           <a:p>
             <a:r>
-              <a:rPr lang="en-US" b="1" dirty="0">
-                <a:solidFill>
-                  <a:schemeClr val="accent1">
-                    <a:lumMod val="75000"/>
-                  </a:schemeClr>
-                </a:solidFill>
-              </a:rPr>
-              <a:t>0.474</a:t>
-            </a:r>
-          </a:p>
-          <a:p>
-            <a:endParaRPr lang="en-US" dirty="0"/>
-          </a:p>
-          <a:p>
-            <a:r>
               <a:rPr lang="en-US" dirty="0"/>
-              <a:t>(b)</a:t>
-            </a:r>
-          </a:p>
-          <a:p>
-            <a:endParaRPr lang="en-US" dirty="0"/>
+              <a:t>(b) P(reaction time&gt;0.9s | weather=clear, </a:t>
+            </a:r>
+            <a:r>
+              <a:rPr lang="en-US" dirty="0" err="1"/>
+              <a:t>diseng</a:t>
+            </a:r>
+            <a:r>
+              <a:rPr lang="en-US" dirty="0"/>
+              <a:t>=auto)</a:t>
+            </a:r>
           </a:p>
           <a:p>
             <a:r>
@@ -7735,7 +7899,7 @@
         </p:nvSpPr>
         <p:spPr>
           <a:xfrm>
-            <a:off x="513567" y="3171825"/>
+            <a:off x="513567" y="2924175"/>
             <a:ext cx="11595759" cy="3416320"/>
           </a:xfrm>
           <a:prstGeom prst="rect">
@@ -8066,7 +8230,7 @@
                   </a:schemeClr>
                 </a:solidFill>
               </a:rPr>
-              <a:t>77.07 %</a:t>
+              <a:t>79.51 %</a:t>
             </a:r>
           </a:p>
           <a:p>
@@ -8089,7 +8253,7 @@
                   </a:schemeClr>
                 </a:solidFill>
               </a:rPr>
-              <a:t>77.95%</a:t>
+              <a:t>78.34%</a:t>
             </a:r>
           </a:p>
           <a:p>
@@ -8115,7 +8279,7 @@
           <p:nvPr>
             <p:extLst>
               <p:ext uri="{D42A27DB-BD31-4B8C-83A1-F6EECF244321}">
-                <p14:modId xmlns:p14="http://schemas.microsoft.com/office/powerpoint/2010/main" val="2982914243"/>
+                <p14:modId xmlns:p14="http://schemas.microsoft.com/office/powerpoint/2010/main" val="461081509"/>
               </p:ext>
             </p:extLst>
           </p:nvPr>
@@ -8166,14 +8330,14 @@
                     </a:ext>
                   </a:extLst>
                 </a:gridCol>
-                <a:gridCol w="1590675">
+                <a:gridCol w="1457323">
                   <a:extLst>
                     <a:ext uri="{9D8B030D-6E8A-4147-A177-3AD203B41FA5}">
                       <a16:colId xmlns:a16="http://schemas.microsoft.com/office/drawing/2014/main" val="1475759171"/>
                     </a:ext>
                   </a:extLst>
                 </a:gridCol>
-                <a:gridCol w="1095373">
+                <a:gridCol w="1228725">
                   <a:extLst>
                     <a:ext uri="{9D8B030D-6E8A-4147-A177-3AD203B41FA5}">
                       <a16:colId xmlns:a16="http://schemas.microsoft.com/office/drawing/2014/main" val="338619586"/>
@@ -8261,12 +8425,28 @@
                     <a:bodyPr/>
                     <a:lstStyle/>
                     <a:p>
-                      <a:pPr algn="r" fontAlgn="ctr"/>
+                      <a:pPr marL="0" marR="0" lvl="0" indent="0" algn="r" defTabSz="914400" rtl="0" eaLnBrk="1" fontAlgn="ctr" latinLnBrk="0" hangingPunct="1">
+                        <a:lnSpc>
+                          <a:spcPct val="100000"/>
+                        </a:lnSpc>
+                        <a:spcBef>
+                          <a:spcPts val="0"/>
+                        </a:spcBef>
+                        <a:spcAft>
+                          <a:spcPts val="0"/>
+                        </a:spcAft>
+                        <a:buClrTx/>
+                        <a:buSzTx/>
+                        <a:buFontTx/>
+                        <a:buNone/>
+                        <a:tabLst/>
+                        <a:defRPr/>
+                      </a:pPr>
                       <a:r>
                         <a:rPr lang="en-US" b="1" dirty="0">
                           <a:effectLst/>
                         </a:rPr>
-                        <a:t>automatic</a:t>
+                        <a:t>manual</a:t>
                       </a:r>
                     </a:p>
                   </a:txBody>
@@ -8277,12 +8457,28 @@
                     <a:bodyPr/>
                     <a:lstStyle/>
                     <a:p>
-                      <a:pPr algn="r" fontAlgn="ctr"/>
+                      <a:pPr marL="0" marR="0" lvl="0" indent="0" algn="r" defTabSz="914400" rtl="0" eaLnBrk="1" fontAlgn="ctr" latinLnBrk="0" hangingPunct="1">
+                        <a:lnSpc>
+                          <a:spcPct val="100000"/>
+                        </a:lnSpc>
+                        <a:spcBef>
+                          <a:spcPts val="0"/>
+                        </a:spcBef>
+                        <a:spcAft>
+                          <a:spcPts val="0"/>
+                        </a:spcAft>
+                        <a:buClrTx/>
+                        <a:buSzTx/>
+                        <a:buFontTx/>
+                        <a:buNone/>
+                        <a:tabLst/>
+                        <a:defRPr/>
+                      </a:pPr>
                       <a:r>
                         <a:rPr lang="en-US" b="1" dirty="0">
                           <a:effectLst/>
                         </a:rPr>
-                        <a:t>manual</a:t>
+                        <a:t>automatic</a:t>
                       </a:r>
                     </a:p>
                   </a:txBody>
@@ -8385,7 +8581,7 @@
                         <a:rPr lang="en-US" dirty="0">
                           <a:effectLst/>
                         </a:rPr>
-                        <a:t>0.825</a:t>
+                        <a:t>0.164</a:t>
                       </a:r>
                     </a:p>
                   </a:txBody>
@@ -8401,7 +8597,7 @@
                         <a:rPr lang="en-US" dirty="0">
                           <a:effectLst/>
                         </a:rPr>
-                        <a:t>0.175</a:t>
+                        <a:t>0.836</a:t>
                       </a:r>
                     </a:p>
                   </a:txBody>
@@ -8469,26 +8665,10 @@
                     <a:p>
                       <a:pPr algn="r" fontAlgn="ctr"/>
                       <a:r>
-                        <a:rPr lang="en-US">
+                        <a:rPr lang="en-US" dirty="0">
                           <a:effectLst/>
                         </a:rPr>
-                        <a:t>1</a:t>
-                      </a:r>
-                    </a:p>
-                  </a:txBody>
-                  <a:tcPr anchor="ctr"/>
-                </a:tc>
-                <a:tc>
-                  <a:txBody>
-                    <a:bodyPr/>
-                    <a:lstStyle/>
-                    <a:p>
-                      <a:pPr algn="r" fontAlgn="ctr"/>
-                      <a:r>
-                        <a:rPr lang="en-US">
-                          <a:effectLst/>
-                        </a:rPr>
-                        <a:t>0</a:t>
+                        <a:t>0.997</a:t>
                       </a:r>
                     </a:p>
                   </a:txBody>
@@ -8504,7 +8684,7 @@
                         <a:rPr lang="en-US" dirty="0">
                           <a:effectLst/>
                         </a:rPr>
-                        <a:t>0.133</a:t>
+                        <a:t>0.003</a:t>
                       </a:r>
                     </a:p>
                   </a:txBody>
@@ -8520,7 +8700,23 @@
                         <a:rPr lang="en-US" dirty="0">
                           <a:effectLst/>
                         </a:rPr>
-                        <a:t>0.867</a:t>
+                        <a:t>0.88</a:t>
+                      </a:r>
+                    </a:p>
+                  </a:txBody>
+                  <a:tcPr anchor="ctr"/>
+                </a:tc>
+                <a:tc>
+                  <a:txBody>
+                    <a:bodyPr/>
+                    <a:lstStyle/>
+                    <a:p>
+                      <a:pPr algn="r" fontAlgn="ctr"/>
+                      <a:r>
+                        <a:rPr lang="en-US" dirty="0">
+                          <a:effectLst/>
+                        </a:rPr>
+                        <a:t>0.12</a:t>
                       </a:r>
                     </a:p>
                   </a:txBody>
@@ -8559,7 +8755,7 @@
                         <a:rPr lang="en-US" dirty="0">
                           <a:effectLst/>
                         </a:rPr>
-                        <a:t>0.927</a:t>
+                        <a:t>0.923</a:t>
                       </a:r>
                     </a:p>
                   </a:txBody>
@@ -8575,7 +8771,7 @@
                         <a:rPr lang="en-US" dirty="0">
                           <a:effectLst/>
                         </a:rPr>
-                        <a:t>0.073</a:t>
+                        <a:t>0.077</a:t>
                       </a:r>
                     </a:p>
                   </a:txBody>
@@ -8591,7 +8787,7 @@
                         <a:rPr lang="en-US" dirty="0">
                           <a:effectLst/>
                         </a:rPr>
-                        <a:t>0.373</a:t>
+                        <a:t>0.407</a:t>
                       </a:r>
                     </a:p>
                   </a:txBody>
@@ -8607,7 +8803,7 @@
                         <a:rPr lang="en-US" dirty="0">
                           <a:effectLst/>
                         </a:rPr>
-                        <a:t>0.628</a:t>
+                        <a:t>0.593</a:t>
                       </a:r>
                     </a:p>
                   </a:txBody>
@@ -8623,7 +8819,7 @@
                         <a:rPr lang="en-US" dirty="0">
                           <a:effectLst/>
                         </a:rPr>
-                        <a:t>0.487</a:t>
+                        <a:t>0.512</a:t>
                       </a:r>
                     </a:p>
                   </a:txBody>
@@ -8639,7 +8835,7 @@
                         <a:rPr lang="en-US" dirty="0">
                           <a:effectLst/>
                         </a:rPr>
-                        <a:t>0.513</a:t>
+                        <a:t>0.488</a:t>
                       </a:r>
                     </a:p>
                   </a:txBody>
@@ -8754,7 +8950,7 @@
         <p:spPr>
           <a:xfrm>
             <a:off x="838200" y="1390693"/>
-            <a:ext cx="10906125" cy="4524315"/>
+            <a:ext cx="10906125" cy="4801314"/>
           </a:xfrm>
           <a:prstGeom prst="rect">
             <a:avLst/>
@@ -8784,7 +8980,7 @@
                   </a:schemeClr>
                 </a:solidFill>
               </a:rPr>
-              <a:t>Average accuracy of Naïve Bayes model is around 78 percent, so it classifies roughly 78 percent data correctly.</a:t>
+              <a:t>Average accuracy of Naïve Bayes model is around 78%, so it classifies roughly 78% data correctly.</a:t>
             </a:r>
           </a:p>
           <a:p>
@@ -8833,7 +9029,7 @@
                   </a:schemeClr>
                 </a:solidFill>
               </a:rPr>
-              <a:t>The main assumption is that the features: Location, Weather and Type of Trigger are independent of each other.</a:t>
+              <a:t>The main assumption is that the features: Location, Weather and Type of Trigger are conditionally independent of each other.</a:t>
             </a:r>
           </a:p>
           <a:p>
